--- a/Extra/Presentation/Blood Donation App.pptx
+++ b/Extra/Presentation/Blood Donation App.pptx
@@ -5,7 +5,7 @@
     <p:sldMasterId id="2147483658" r:id="rId1"/>
   </p:sldMasterIdLst>
   <p:notesMasterIdLst>
-    <p:notesMasterId r:id="rId11"/>
+    <p:notesMasterId r:id="rId12"/>
   </p:notesMasterIdLst>
   <p:sldIdLst>
     <p:sldId id="256" r:id="rId2"/>
@@ -14,29 +14,30 @@
     <p:sldId id="339" r:id="rId5"/>
     <p:sldId id="338" r:id="rId6"/>
     <p:sldId id="264" r:id="rId7"/>
-    <p:sldId id="331" r:id="rId8"/>
-    <p:sldId id="328" r:id="rId9"/>
-    <p:sldId id="278" r:id="rId10"/>
+    <p:sldId id="340" r:id="rId8"/>
+    <p:sldId id="331" r:id="rId9"/>
+    <p:sldId id="328" r:id="rId10"/>
+    <p:sldId id="278" r:id="rId11"/>
   </p:sldIdLst>
   <p:sldSz cx="9144000" cy="5143500" type="screen16x9"/>
   <p:notesSz cx="6858000" cy="9144000"/>
   <p:embeddedFontLst>
     <p:embeddedFont>
       <p:font typeface="Calibri" panose="020F0502020204030204" pitchFamily="34" charset="0"/>
-      <p:regular r:id="rId12"/>
-      <p:bold r:id="rId13"/>
-      <p:italic r:id="rId14"/>
-      <p:boldItalic r:id="rId15"/>
+      <p:regular r:id="rId13"/>
+      <p:bold r:id="rId14"/>
+      <p:italic r:id="rId15"/>
+      <p:boldItalic r:id="rId16"/>
     </p:embeddedFont>
     <p:embeddedFont>
       <p:font typeface="Catamaran" panose="020B0604020202020204" charset="0"/>
-      <p:regular r:id="rId16"/>
-      <p:bold r:id="rId17"/>
+      <p:regular r:id="rId17"/>
+      <p:bold r:id="rId18"/>
     </p:embeddedFont>
     <p:embeddedFont>
       <p:font typeface="Catamaran Thin" panose="020B0604020202020204" charset="0"/>
-      <p:regular r:id="rId18"/>
-      <p:bold r:id="rId19"/>
+      <p:regular r:id="rId19"/>
+      <p:bold r:id="rId20"/>
     </p:embeddedFont>
   </p:embeddedFontLst>
   <p:defaultTextStyle>
@@ -821,6 +822,110 @@
 </p:notes>
 </file>
 
+<file path=ppt/notesSlides/notesSlide10.xml><?xml version="1.0" encoding="utf-8"?>
+<p:notes xmlns:a="http://schemas.openxmlformats.org/drawingml/2006/main" xmlns:r="http://schemas.openxmlformats.org/officeDocument/2006/relationships" xmlns:p="http://schemas.openxmlformats.org/presentationml/2006/main" showMasterSp="0" showMasterPhAnim="0">
+  <p:cSld>
+    <p:spTree>
+      <p:nvGrpSpPr>
+        <p:cNvPr id="1" name="Shape 500"/>
+        <p:cNvGrpSpPr/>
+        <p:nvPr/>
+      </p:nvGrpSpPr>
+      <p:grpSpPr>
+        <a:xfrm>
+          <a:off x="0" y="0"/>
+          <a:ext cx="0" cy="0"/>
+          <a:chOff x="0" y="0"/>
+          <a:chExt cx="0" cy="0"/>
+        </a:xfrm>
+      </p:grpSpPr>
+      <p:sp>
+        <p:nvSpPr>
+          <p:cNvPr id="501" name="Google Shape;501;gd9c6d70173_1_1326:notes"/>
+          <p:cNvSpPr>
+            <a:spLocks noGrp="1" noRot="1" noChangeAspect="1"/>
+          </p:cNvSpPr>
+          <p:nvPr>
+            <p:ph type="sldImg" idx="2"/>
+          </p:nvPr>
+        </p:nvSpPr>
+        <p:spPr>
+          <a:xfrm>
+            <a:off x="381000" y="685800"/>
+            <a:ext cx="6096000" cy="3429000"/>
+          </a:xfrm>
+          <a:custGeom>
+            <a:avLst/>
+            <a:gdLst/>
+            <a:ahLst/>
+            <a:cxnLst/>
+            <a:rect l="l" t="t" r="r" b="b"/>
+            <a:pathLst>
+              <a:path w="120000" h="120000" extrusionOk="0">
+                <a:moveTo>
+                  <a:pt x="0" y="0"/>
+                </a:moveTo>
+                <a:lnTo>
+                  <a:pt x="120000" y="0"/>
+                </a:lnTo>
+                <a:lnTo>
+                  <a:pt x="120000" y="120000"/>
+                </a:lnTo>
+                <a:lnTo>
+                  <a:pt x="0" y="120000"/>
+                </a:lnTo>
+                <a:close/>
+              </a:path>
+            </a:pathLst>
+          </a:custGeom>
+        </p:spPr>
+      </p:sp>
+      <p:sp>
+        <p:nvSpPr>
+          <p:cNvPr id="502" name="Google Shape;502;gd9c6d70173_1_1326:notes"/>
+          <p:cNvSpPr txBox="1">
+            <a:spLocks noGrp="1"/>
+          </p:cNvSpPr>
+          <p:nvPr>
+            <p:ph type="body" idx="1"/>
+          </p:nvPr>
+        </p:nvSpPr>
+        <p:spPr>
+          <a:xfrm>
+            <a:off x="685800" y="4343400"/>
+            <a:ext cx="5486400" cy="4114800"/>
+          </a:xfrm>
+          <a:prstGeom prst="rect">
+            <a:avLst/>
+          </a:prstGeom>
+        </p:spPr>
+        <p:txBody>
+          <a:bodyPr spcFirstLastPara="1" wrap="square" lIns="91425" tIns="91425" rIns="91425" bIns="91425" anchor="t" anchorCtr="0">
+            <a:noAutofit/>
+          </a:bodyPr>
+          <a:lstStyle/>
+          <a:p>
+            <a:pPr marL="0" lvl="0" indent="0" algn="l" rtl="0">
+              <a:spcBef>
+                <a:spcPts val="0"/>
+              </a:spcBef>
+              <a:spcAft>
+                <a:spcPts val="0"/>
+              </a:spcAft>
+              <a:buNone/>
+            </a:pPr>
+            <a:endParaRPr/>
+          </a:p>
+        </p:txBody>
+      </p:sp>
+    </p:spTree>
+  </p:cSld>
+  <p:clrMapOvr>
+    <a:masterClrMapping/>
+  </p:clrMapOvr>
+</p:notes>
+</file>
+
 <file path=ppt/notesSlides/notesSlide2.xml><?xml version="1.0" encoding="utf-8"?>
 <p:notes xmlns:a="http://schemas.openxmlformats.org/drawingml/2006/main" xmlns:r="http://schemas.openxmlformats.org/officeDocument/2006/relationships" xmlns:p="http://schemas.openxmlformats.org/presentationml/2006/main" showMasterSp="0" showMasterPhAnim="0">
   <p:cSld>
@@ -1361,6 +1466,115 @@
   <p:cSld>
     <p:spTree>
       <p:nvGrpSpPr>
+        <p:cNvPr id="1" name="Shape 281"/>
+        <p:cNvGrpSpPr/>
+        <p:nvPr/>
+      </p:nvGrpSpPr>
+      <p:grpSpPr>
+        <a:xfrm>
+          <a:off x="0" y="0"/>
+          <a:ext cx="0" cy="0"/>
+          <a:chOff x="0" y="0"/>
+          <a:chExt cx="0" cy="0"/>
+        </a:xfrm>
+      </p:grpSpPr>
+      <p:sp>
+        <p:nvSpPr>
+          <p:cNvPr id="282" name="Google Shape;282;g35f391192_045:notes"/>
+          <p:cNvSpPr>
+            <a:spLocks noGrp="1" noRot="1" noChangeAspect="1"/>
+          </p:cNvSpPr>
+          <p:nvPr>
+            <p:ph type="sldImg" idx="2"/>
+          </p:nvPr>
+        </p:nvSpPr>
+        <p:spPr>
+          <a:xfrm>
+            <a:off x="381000" y="685800"/>
+            <a:ext cx="6096000" cy="3429000"/>
+          </a:xfrm>
+          <a:custGeom>
+            <a:avLst/>
+            <a:gdLst/>
+            <a:ahLst/>
+            <a:cxnLst/>
+            <a:rect l="l" t="t" r="r" b="b"/>
+            <a:pathLst>
+              <a:path w="120000" h="120000" extrusionOk="0">
+                <a:moveTo>
+                  <a:pt x="0" y="0"/>
+                </a:moveTo>
+                <a:lnTo>
+                  <a:pt x="120000" y="0"/>
+                </a:lnTo>
+                <a:lnTo>
+                  <a:pt x="120000" y="120000"/>
+                </a:lnTo>
+                <a:lnTo>
+                  <a:pt x="0" y="120000"/>
+                </a:lnTo>
+                <a:close/>
+              </a:path>
+            </a:pathLst>
+          </a:custGeom>
+        </p:spPr>
+      </p:sp>
+      <p:sp>
+        <p:nvSpPr>
+          <p:cNvPr id="283" name="Google Shape;283;g35f391192_045:notes"/>
+          <p:cNvSpPr txBox="1">
+            <a:spLocks noGrp="1"/>
+          </p:cNvSpPr>
+          <p:nvPr>
+            <p:ph type="body" idx="1"/>
+          </p:nvPr>
+        </p:nvSpPr>
+        <p:spPr>
+          <a:xfrm>
+            <a:off x="685800" y="4343400"/>
+            <a:ext cx="5486400" cy="4114800"/>
+          </a:xfrm>
+          <a:prstGeom prst="rect">
+            <a:avLst/>
+          </a:prstGeom>
+        </p:spPr>
+        <p:txBody>
+          <a:bodyPr spcFirstLastPara="1" wrap="square" lIns="91425" tIns="91425" rIns="91425" bIns="91425" anchor="t" anchorCtr="0">
+            <a:noAutofit/>
+          </a:bodyPr>
+          <a:lstStyle/>
+          <a:p>
+            <a:pPr marL="0" lvl="0" indent="0" algn="l" rtl="0">
+              <a:spcBef>
+                <a:spcPts val="0"/>
+              </a:spcBef>
+              <a:spcAft>
+                <a:spcPts val="0"/>
+              </a:spcAft>
+              <a:buNone/>
+            </a:pPr>
+            <a:endParaRPr dirty="0"/>
+          </a:p>
+        </p:txBody>
+      </p:sp>
+    </p:spTree>
+    <p:extLst>
+      <p:ext uri="{BB962C8B-B14F-4D97-AF65-F5344CB8AC3E}">
+        <p14:creationId xmlns:p14="http://schemas.microsoft.com/office/powerpoint/2010/main" val="2109828784"/>
+      </p:ext>
+    </p:extLst>
+  </p:cSld>
+  <p:clrMapOvr>
+    <a:masterClrMapping/>
+  </p:clrMapOvr>
+</p:notes>
+</file>
+
+<file path=ppt/notesSlides/notesSlide8.xml><?xml version="1.0" encoding="utf-8"?>
+<p:notes xmlns:a="http://schemas.openxmlformats.org/drawingml/2006/main" xmlns:r="http://schemas.openxmlformats.org/officeDocument/2006/relationships" xmlns:p="http://schemas.openxmlformats.org/presentationml/2006/main" showMasterSp="0" showMasterPhAnim="0">
+  <p:cSld>
+    <p:spTree>
+      <p:nvGrpSpPr>
         <p:cNvPr id="1" name="Shape 222"/>
         <p:cNvGrpSpPr/>
         <p:nvPr/>
@@ -1465,7 +1679,7 @@
 </p:notes>
 </file>
 
-<file path=ppt/notesSlides/notesSlide8.xml><?xml version="1.0" encoding="utf-8"?>
+<file path=ppt/notesSlides/notesSlide9.xml><?xml version="1.0" encoding="utf-8"?>
 <p:notes xmlns:a="http://schemas.openxmlformats.org/drawingml/2006/main" xmlns:r="http://schemas.openxmlformats.org/officeDocument/2006/relationships" xmlns:p="http://schemas.openxmlformats.org/presentationml/2006/main" showMasterSp="0" showMasterPhAnim="0">
   <p:cSld>
     <p:spTree>
@@ -1567,110 +1781,6 @@
         <p14:creationId xmlns:p14="http://schemas.microsoft.com/office/powerpoint/2010/main" val="407860780"/>
       </p:ext>
     </p:extLst>
-  </p:cSld>
-  <p:clrMapOvr>
-    <a:masterClrMapping/>
-  </p:clrMapOvr>
-</p:notes>
-</file>
-
-<file path=ppt/notesSlides/notesSlide9.xml><?xml version="1.0" encoding="utf-8"?>
-<p:notes xmlns:a="http://schemas.openxmlformats.org/drawingml/2006/main" xmlns:r="http://schemas.openxmlformats.org/officeDocument/2006/relationships" xmlns:p="http://schemas.openxmlformats.org/presentationml/2006/main" showMasterSp="0" showMasterPhAnim="0">
-  <p:cSld>
-    <p:spTree>
-      <p:nvGrpSpPr>
-        <p:cNvPr id="1" name="Shape 500"/>
-        <p:cNvGrpSpPr/>
-        <p:nvPr/>
-      </p:nvGrpSpPr>
-      <p:grpSpPr>
-        <a:xfrm>
-          <a:off x="0" y="0"/>
-          <a:ext cx="0" cy="0"/>
-          <a:chOff x="0" y="0"/>
-          <a:chExt cx="0" cy="0"/>
-        </a:xfrm>
-      </p:grpSpPr>
-      <p:sp>
-        <p:nvSpPr>
-          <p:cNvPr id="501" name="Google Shape;501;gd9c6d70173_1_1326:notes"/>
-          <p:cNvSpPr>
-            <a:spLocks noGrp="1" noRot="1" noChangeAspect="1"/>
-          </p:cNvSpPr>
-          <p:nvPr>
-            <p:ph type="sldImg" idx="2"/>
-          </p:nvPr>
-        </p:nvSpPr>
-        <p:spPr>
-          <a:xfrm>
-            <a:off x="381000" y="685800"/>
-            <a:ext cx="6096000" cy="3429000"/>
-          </a:xfrm>
-          <a:custGeom>
-            <a:avLst/>
-            <a:gdLst/>
-            <a:ahLst/>
-            <a:cxnLst/>
-            <a:rect l="l" t="t" r="r" b="b"/>
-            <a:pathLst>
-              <a:path w="120000" h="120000" extrusionOk="0">
-                <a:moveTo>
-                  <a:pt x="0" y="0"/>
-                </a:moveTo>
-                <a:lnTo>
-                  <a:pt x="120000" y="0"/>
-                </a:lnTo>
-                <a:lnTo>
-                  <a:pt x="120000" y="120000"/>
-                </a:lnTo>
-                <a:lnTo>
-                  <a:pt x="0" y="120000"/>
-                </a:lnTo>
-                <a:close/>
-              </a:path>
-            </a:pathLst>
-          </a:custGeom>
-        </p:spPr>
-      </p:sp>
-      <p:sp>
-        <p:nvSpPr>
-          <p:cNvPr id="502" name="Google Shape;502;gd9c6d70173_1_1326:notes"/>
-          <p:cNvSpPr txBox="1">
-            <a:spLocks noGrp="1"/>
-          </p:cNvSpPr>
-          <p:nvPr>
-            <p:ph type="body" idx="1"/>
-          </p:nvPr>
-        </p:nvSpPr>
-        <p:spPr>
-          <a:xfrm>
-            <a:off x="685800" y="4343400"/>
-            <a:ext cx="5486400" cy="4114800"/>
-          </a:xfrm>
-          <a:prstGeom prst="rect">
-            <a:avLst/>
-          </a:prstGeom>
-        </p:spPr>
-        <p:txBody>
-          <a:bodyPr spcFirstLastPara="1" wrap="square" lIns="91425" tIns="91425" rIns="91425" bIns="91425" anchor="t" anchorCtr="0">
-            <a:noAutofit/>
-          </a:bodyPr>
-          <a:lstStyle/>
-          <a:p>
-            <a:pPr marL="0" lvl="0" indent="0" algn="l" rtl="0">
-              <a:spcBef>
-                <a:spcPts val="0"/>
-              </a:spcBef>
-              <a:spcAft>
-                <a:spcPts val="0"/>
-              </a:spcAft>
-              <a:buNone/>
-            </a:pPr>
-            <a:endParaRPr/>
-          </a:p>
-        </p:txBody>
-      </p:sp>
-    </p:spTree>
   </p:cSld>
   <p:clrMapOvr>
     <a:masterClrMapping/>
@@ -13059,6 +13169,134 @@
 </p:sld>
 </file>
 
+<file path=ppt/slides/slide10.xml><?xml version="1.0" encoding="utf-8"?>
+<p:sld xmlns:a="http://schemas.openxmlformats.org/drawingml/2006/main" xmlns:r="http://schemas.openxmlformats.org/officeDocument/2006/relationships" xmlns:p="http://schemas.openxmlformats.org/presentationml/2006/main">
+  <p:cSld>
+    <p:spTree>
+      <p:nvGrpSpPr>
+        <p:cNvPr id="1" name="Shape 503"/>
+        <p:cNvGrpSpPr/>
+        <p:nvPr/>
+      </p:nvGrpSpPr>
+      <p:grpSpPr>
+        <a:xfrm>
+          <a:off x="0" y="0"/>
+          <a:ext cx="0" cy="0"/>
+          <a:chOff x="0" y="0"/>
+          <a:chExt cx="0" cy="0"/>
+        </a:xfrm>
+      </p:grpSpPr>
+      <p:sp>
+        <p:nvSpPr>
+          <p:cNvPr id="504" name="Google Shape;504;p34"/>
+          <p:cNvSpPr txBox="1">
+            <a:spLocks noGrp="1"/>
+          </p:cNvSpPr>
+          <p:nvPr>
+            <p:ph type="ctrTitle" idx="4294967295"/>
+          </p:nvPr>
+        </p:nvSpPr>
+        <p:spPr>
+          <a:xfrm>
+            <a:off x="2568116" y="2029579"/>
+            <a:ext cx="4007767" cy="1084341"/>
+          </a:xfrm>
+          <a:prstGeom prst="rect">
+            <a:avLst/>
+          </a:prstGeom>
+        </p:spPr>
+        <p:txBody>
+          <a:bodyPr spcFirstLastPara="1" wrap="square" lIns="0" tIns="0" rIns="0" bIns="0" anchor="ctr" anchorCtr="0">
+            <a:noAutofit/>
+          </a:bodyPr>
+          <a:lstStyle/>
+          <a:p>
+            <a:pPr marL="0" lvl="0" indent="0" algn="l" rtl="0">
+              <a:spcBef>
+                <a:spcPts val="0"/>
+              </a:spcBef>
+              <a:spcAft>
+                <a:spcPts val="0"/>
+              </a:spcAft>
+              <a:buNone/>
+            </a:pPr>
+            <a:r>
+              <a:rPr lang="en" sz="7200" dirty="0">
+                <a:solidFill>
+                  <a:schemeClr val="lt1"/>
+                </a:solidFill>
+              </a:rPr>
+              <a:t>THANKS!</a:t>
+            </a:r>
+            <a:endParaRPr sz="7200" dirty="0">
+              <a:solidFill>
+                <a:schemeClr val="lt1"/>
+              </a:solidFill>
+            </a:endParaRPr>
+          </a:p>
+        </p:txBody>
+      </p:sp>
+      <p:sp>
+        <p:nvSpPr>
+          <p:cNvPr id="506" name="Google Shape;506;p34"/>
+          <p:cNvSpPr txBox="1">
+            <a:spLocks noGrp="1"/>
+          </p:cNvSpPr>
+          <p:nvPr>
+            <p:ph type="sldNum" idx="12"/>
+          </p:nvPr>
+        </p:nvSpPr>
+        <p:spPr>
+          <a:xfrm>
+            <a:off x="8480584" y="4749851"/>
+            <a:ext cx="548700" cy="393600"/>
+          </a:xfrm>
+          <a:prstGeom prst="rect">
+            <a:avLst/>
+          </a:prstGeom>
+        </p:spPr>
+        <p:txBody>
+          <a:bodyPr spcFirstLastPara="1" wrap="square" lIns="0" tIns="0" rIns="0" bIns="0" anchor="ctr" anchorCtr="0">
+            <a:noAutofit/>
+          </a:bodyPr>
+          <a:lstStyle/>
+          <a:p>
+            <a:pPr marL="0" lvl="0" indent="0" algn="r" rtl="0">
+              <a:spcBef>
+                <a:spcPts val="0"/>
+              </a:spcBef>
+              <a:spcAft>
+                <a:spcPts val="0"/>
+              </a:spcAft>
+              <a:buNone/>
+            </a:pPr>
+            <a:fld id="{00000000-1234-1234-1234-123412341234}" type="slidenum">
+              <a:rPr lang="en">
+                <a:solidFill>
+                  <a:schemeClr val="lt1"/>
+                </a:solidFill>
+              </a:rPr>
+              <a:t>10</a:t>
+            </a:fld>
+            <a:endParaRPr>
+              <a:solidFill>
+                <a:schemeClr val="lt1"/>
+              </a:solidFill>
+            </a:endParaRPr>
+          </a:p>
+        </p:txBody>
+      </p:sp>
+    </p:spTree>
+  </p:cSld>
+  <p:clrMapOvr>
+    <a:masterClrMapping/>
+  </p:clrMapOvr>
+  <p:transition>
+    <p:fade/>
+  </p:transition>
+</p:sld>
+</file>
+
 <file path=ppt/slides/slide2.xml><?xml version="1.0" encoding="utf-8"?>
 <p:sld xmlns:a="http://schemas.openxmlformats.org/drawingml/2006/main" xmlns:r="http://schemas.openxmlformats.org/officeDocument/2006/relationships" xmlns:p="http://schemas.openxmlformats.org/presentationml/2006/main">
   <p:cSld>
@@ -13793,7 +14031,7 @@
             </a:pPr>
             <a:r>
               <a:rPr lang="en-US" dirty="0"/>
-              <a:t>Features</a:t>
+              <a:t>Features (Hospital)</a:t>
             </a:r>
             <a:endParaRPr dirty="0"/>
           </a:p>
@@ -13836,17 +14074,175 @@
               <a:rPr lang="en-GB" b="1" dirty="0">
                 <a:effectLst/>
               </a:rPr>
-              <a:t>Registration </a:t>
+              <a:t>Hospital has a page for receiving all users who are willing to donate</a:t>
             </a:r>
             <a:r>
-              <a:rPr lang="en-GB" b="1">
+              <a:rPr lang="en-GB" b="1" dirty="0"/>
+              <a:t>.</a:t>
+            </a:r>
+          </a:p>
+          <a:p>
+            <a:pPr marL="285750" indent="-285750"/>
+            <a:r>
+              <a:rPr lang="en-GB" b="1" dirty="0">
                 <a:effectLst/>
               </a:rPr>
-              <a:t>(Donor)</a:t>
+              <a:t>Hospital can specify donors by their location and blood type.</a:t>
             </a:r>
-            <a:endParaRPr lang="en-GB" b="1" dirty="0">
-              <a:effectLst/>
-            </a:endParaRPr>
+          </a:p>
+          <a:p>
+            <a:pPr marL="285750" indent="-285750"/>
+            <a:r>
+              <a:rPr lang="en-GB" b="1" dirty="0"/>
+              <a:t>Hospital can get all donors related data by clicking on their names.</a:t>
+            </a:r>
+          </a:p>
+        </p:txBody>
+      </p:sp>
+      <p:sp>
+        <p:nvSpPr>
+          <p:cNvPr id="289" name="Google Shape;289;p20"/>
+          <p:cNvSpPr txBox="1">
+            <a:spLocks noGrp="1"/>
+          </p:cNvSpPr>
+          <p:nvPr>
+            <p:ph type="sldNum" idx="12"/>
+          </p:nvPr>
+        </p:nvSpPr>
+        <p:spPr>
+          <a:xfrm>
+            <a:off x="8480584" y="4749851"/>
+            <a:ext cx="548700" cy="393600"/>
+          </a:xfrm>
+          <a:prstGeom prst="rect">
+            <a:avLst/>
+          </a:prstGeom>
+        </p:spPr>
+        <p:txBody>
+          <a:bodyPr spcFirstLastPara="1" wrap="square" lIns="0" tIns="0" rIns="0" bIns="0" anchor="ctr" anchorCtr="0">
+            <a:noAutofit/>
+          </a:bodyPr>
+          <a:lstStyle/>
+          <a:p>
+            <a:pPr marL="0" lvl="0" indent="0" algn="r" rtl="0">
+              <a:spcBef>
+                <a:spcPts val="0"/>
+              </a:spcBef>
+              <a:spcAft>
+                <a:spcPts val="0"/>
+              </a:spcAft>
+              <a:buNone/>
+            </a:pPr>
+            <a:fld id="{00000000-1234-1234-1234-123412341234}" type="slidenum">
+              <a:rPr lang="en"/>
+              <a:t>6</a:t>
+            </a:fld>
+            <a:endParaRPr/>
+          </a:p>
+        </p:txBody>
+      </p:sp>
+    </p:spTree>
+  </p:cSld>
+  <p:clrMapOvr>
+    <a:masterClrMapping/>
+  </p:clrMapOvr>
+  <p:transition>
+    <p:fade/>
+  </p:transition>
+</p:sld>
+</file>
+
+<file path=ppt/slides/slide7.xml><?xml version="1.0" encoding="utf-8"?>
+<p:sld xmlns:a="http://schemas.openxmlformats.org/drawingml/2006/main" xmlns:r="http://schemas.openxmlformats.org/officeDocument/2006/relationships" xmlns:p="http://schemas.openxmlformats.org/presentationml/2006/main">
+  <p:cSld>
+    <p:spTree>
+      <p:nvGrpSpPr>
+        <p:cNvPr id="1" name="Shape 284"/>
+        <p:cNvGrpSpPr/>
+        <p:nvPr/>
+      </p:nvGrpSpPr>
+      <p:grpSpPr>
+        <a:xfrm>
+          <a:off x="0" y="0"/>
+          <a:ext cx="0" cy="0"/>
+          <a:chOff x="0" y="0"/>
+          <a:chExt cx="0" cy="0"/>
+        </a:xfrm>
+      </p:grpSpPr>
+      <p:sp>
+        <p:nvSpPr>
+          <p:cNvPr id="285" name="Google Shape;285;p20"/>
+          <p:cNvSpPr txBox="1">
+            <a:spLocks noGrp="1"/>
+          </p:cNvSpPr>
+          <p:nvPr>
+            <p:ph type="title"/>
+          </p:nvPr>
+        </p:nvSpPr>
+        <p:spPr>
+          <a:xfrm>
+            <a:off x="779100" y="836000"/>
+            <a:ext cx="6677100" cy="396300"/>
+          </a:xfrm>
+          <a:prstGeom prst="rect">
+            <a:avLst/>
+          </a:prstGeom>
+        </p:spPr>
+        <p:txBody>
+          <a:bodyPr spcFirstLastPara="1" wrap="square" lIns="0" tIns="0" rIns="0" bIns="0" anchor="ctr" anchorCtr="0">
+            <a:noAutofit/>
+          </a:bodyPr>
+          <a:lstStyle/>
+          <a:p>
+            <a:pPr marL="0" lvl="0" indent="0" algn="l" rtl="0">
+              <a:spcBef>
+                <a:spcPts val="0"/>
+              </a:spcBef>
+              <a:spcAft>
+                <a:spcPts val="0"/>
+              </a:spcAft>
+              <a:buNone/>
+            </a:pPr>
+            <a:r>
+              <a:rPr lang="en-US" dirty="0"/>
+              <a:t>Features (Donor)</a:t>
+            </a:r>
+            <a:endParaRPr dirty="0"/>
+          </a:p>
+        </p:txBody>
+      </p:sp>
+      <p:sp>
+        <p:nvSpPr>
+          <p:cNvPr id="286" name="Google Shape;286;p20"/>
+          <p:cNvSpPr txBox="1">
+            <a:spLocks noGrp="1"/>
+          </p:cNvSpPr>
+          <p:nvPr>
+            <p:ph type="body" idx="1"/>
+          </p:nvPr>
+        </p:nvSpPr>
+        <p:spPr>
+          <a:xfrm>
+            <a:off x="792309" y="1428083"/>
+            <a:ext cx="6499644" cy="3539124"/>
+          </a:xfrm>
+          <a:prstGeom prst="rect">
+            <a:avLst/>
+          </a:prstGeom>
+        </p:spPr>
+        <p:txBody>
+          <a:bodyPr spcFirstLastPara="1" wrap="square" lIns="0" tIns="0" rIns="0" bIns="0" anchor="t" anchorCtr="0">
+            <a:noAutofit/>
+          </a:bodyPr>
+          <a:lstStyle/>
+          <a:p>
+            <a:pPr marL="285750" indent="-285750"/>
+            <a:r>
+              <a:rPr lang="en-GB" b="1" dirty="0">
+                <a:effectLst/>
+              </a:rPr>
+              <a:t>Registration (Donor)</a:t>
+            </a:r>
           </a:p>
           <a:p>
             <a:pPr marL="285750" indent="-285750"/>
@@ -13858,7 +14254,7 @@
               <a:rPr lang="en-GB" b="1" dirty="0">
                 <a:effectLst/>
               </a:rPr>
-              <a:t>eople can donate by sign in their personal and </a:t>
+              <a:t>eople can donate by registering their personal and </a:t>
             </a:r>
             <a:r>
               <a:rPr lang="en-GB" b="1" dirty="0"/>
@@ -13903,28 +14299,6 @@
               <a:effectLst/>
             </a:endParaRPr>
           </a:p>
-          <a:p>
-            <a:pPr marL="285750" indent="-285750"/>
-            <a:r>
-              <a:rPr lang="en-GB" b="1" dirty="0">
-                <a:effectLst/>
-              </a:rPr>
-              <a:t>Hospital has a page for receiving all users who are willing to donate</a:t>
-            </a:r>
-            <a:r>
-              <a:rPr lang="en-GB" b="1" dirty="0"/>
-              <a:t>.</a:t>
-            </a:r>
-          </a:p>
-          <a:p>
-            <a:pPr marL="285750" indent="-285750"/>
-            <a:r>
-              <a:rPr lang="en-GB" b="1" dirty="0">
-                <a:effectLst/>
-              </a:rPr>
-              <a:t>Hospital can specify donors by their location and blood type.</a:t>
-            </a:r>
-          </a:p>
         </p:txBody>
       </p:sp>
       <p:sp>
@@ -13963,13 +14337,18 @@
             </a:pPr>
             <a:fld id="{00000000-1234-1234-1234-123412341234}" type="slidenum">
               <a:rPr lang="en"/>
-              <a:t>6</a:t>
+              <a:t>7</a:t>
             </a:fld>
             <a:endParaRPr/>
           </a:p>
         </p:txBody>
       </p:sp>
     </p:spTree>
+    <p:extLst>
+      <p:ext uri="{BB962C8B-B14F-4D97-AF65-F5344CB8AC3E}">
+        <p14:creationId xmlns:p14="http://schemas.microsoft.com/office/powerpoint/2010/main" val="2948252570"/>
+      </p:ext>
+    </p:extLst>
   </p:cSld>
   <p:clrMapOvr>
     <a:masterClrMapping/>
@@ -13980,7 +14359,7 @@
 </p:sld>
 </file>
 
-<file path=ppt/slides/slide7.xml><?xml version="1.0" encoding="utf-8"?>
+<file path=ppt/slides/slide8.xml><?xml version="1.0" encoding="utf-8"?>
 <p:sld xmlns:a="http://schemas.openxmlformats.org/drawingml/2006/main" xmlns:r="http://schemas.openxmlformats.org/officeDocument/2006/relationships" xmlns:p="http://schemas.openxmlformats.org/presentationml/2006/main">
   <p:cSld>
     <p:bg>
@@ -14168,7 +14547,7 @@
 </p:sld>
 </file>
 
-<file path=ppt/slides/slide8.xml><?xml version="1.0" encoding="utf-8"?>
+<file path=ppt/slides/slide9.xml><?xml version="1.0" encoding="utf-8"?>
 <p:sld xmlns:a="http://schemas.openxmlformats.org/drawingml/2006/main" xmlns:r="http://schemas.openxmlformats.org/officeDocument/2006/relationships" xmlns:p="http://schemas.openxmlformats.org/presentationml/2006/main">
   <p:cSld>
     <p:spTree>
@@ -14314,7 +14693,7 @@
             </a:pPr>
             <a:fld id="{00000000-1234-1234-1234-123412341234}" type="slidenum">
               <a:rPr lang="en"/>
-              <a:t>8</a:t>
+              <a:t>9</a:t>
             </a:fld>
             <a:endParaRPr/>
           </a:p>
@@ -14326,134 +14705,6 @@
         <p14:creationId xmlns:p14="http://schemas.microsoft.com/office/powerpoint/2010/main" val="1049897946"/>
       </p:ext>
     </p:extLst>
-  </p:cSld>
-  <p:clrMapOvr>
-    <a:masterClrMapping/>
-  </p:clrMapOvr>
-  <p:transition>
-    <p:fade/>
-  </p:transition>
-</p:sld>
-</file>
-
-<file path=ppt/slides/slide9.xml><?xml version="1.0" encoding="utf-8"?>
-<p:sld xmlns:a="http://schemas.openxmlformats.org/drawingml/2006/main" xmlns:r="http://schemas.openxmlformats.org/officeDocument/2006/relationships" xmlns:p="http://schemas.openxmlformats.org/presentationml/2006/main">
-  <p:cSld>
-    <p:spTree>
-      <p:nvGrpSpPr>
-        <p:cNvPr id="1" name="Shape 503"/>
-        <p:cNvGrpSpPr/>
-        <p:nvPr/>
-      </p:nvGrpSpPr>
-      <p:grpSpPr>
-        <a:xfrm>
-          <a:off x="0" y="0"/>
-          <a:ext cx="0" cy="0"/>
-          <a:chOff x="0" y="0"/>
-          <a:chExt cx="0" cy="0"/>
-        </a:xfrm>
-      </p:grpSpPr>
-      <p:sp>
-        <p:nvSpPr>
-          <p:cNvPr id="504" name="Google Shape;504;p34"/>
-          <p:cNvSpPr txBox="1">
-            <a:spLocks noGrp="1"/>
-          </p:cNvSpPr>
-          <p:nvPr>
-            <p:ph type="ctrTitle" idx="4294967295"/>
-          </p:nvPr>
-        </p:nvSpPr>
-        <p:spPr>
-          <a:xfrm>
-            <a:off x="2568116" y="2029579"/>
-            <a:ext cx="4007767" cy="1084341"/>
-          </a:xfrm>
-          <a:prstGeom prst="rect">
-            <a:avLst/>
-          </a:prstGeom>
-        </p:spPr>
-        <p:txBody>
-          <a:bodyPr spcFirstLastPara="1" wrap="square" lIns="0" tIns="0" rIns="0" bIns="0" anchor="ctr" anchorCtr="0">
-            <a:noAutofit/>
-          </a:bodyPr>
-          <a:lstStyle/>
-          <a:p>
-            <a:pPr marL="0" lvl="0" indent="0" algn="l" rtl="0">
-              <a:spcBef>
-                <a:spcPts val="0"/>
-              </a:spcBef>
-              <a:spcAft>
-                <a:spcPts val="0"/>
-              </a:spcAft>
-              <a:buNone/>
-            </a:pPr>
-            <a:r>
-              <a:rPr lang="en" sz="7200" dirty="0">
-                <a:solidFill>
-                  <a:schemeClr val="lt1"/>
-                </a:solidFill>
-              </a:rPr>
-              <a:t>THANKS!</a:t>
-            </a:r>
-            <a:endParaRPr sz="7200" dirty="0">
-              <a:solidFill>
-                <a:schemeClr val="lt1"/>
-              </a:solidFill>
-            </a:endParaRPr>
-          </a:p>
-        </p:txBody>
-      </p:sp>
-      <p:sp>
-        <p:nvSpPr>
-          <p:cNvPr id="506" name="Google Shape;506;p34"/>
-          <p:cNvSpPr txBox="1">
-            <a:spLocks noGrp="1"/>
-          </p:cNvSpPr>
-          <p:nvPr>
-            <p:ph type="sldNum" idx="12"/>
-          </p:nvPr>
-        </p:nvSpPr>
-        <p:spPr>
-          <a:xfrm>
-            <a:off x="8480584" y="4749851"/>
-            <a:ext cx="548700" cy="393600"/>
-          </a:xfrm>
-          <a:prstGeom prst="rect">
-            <a:avLst/>
-          </a:prstGeom>
-        </p:spPr>
-        <p:txBody>
-          <a:bodyPr spcFirstLastPara="1" wrap="square" lIns="0" tIns="0" rIns="0" bIns="0" anchor="ctr" anchorCtr="0">
-            <a:noAutofit/>
-          </a:bodyPr>
-          <a:lstStyle/>
-          <a:p>
-            <a:pPr marL="0" lvl="0" indent="0" algn="r" rtl="0">
-              <a:spcBef>
-                <a:spcPts val="0"/>
-              </a:spcBef>
-              <a:spcAft>
-                <a:spcPts val="0"/>
-              </a:spcAft>
-              <a:buNone/>
-            </a:pPr>
-            <a:fld id="{00000000-1234-1234-1234-123412341234}" type="slidenum">
-              <a:rPr lang="en">
-                <a:solidFill>
-                  <a:schemeClr val="lt1"/>
-                </a:solidFill>
-              </a:rPr>
-              <a:t>9</a:t>
-            </a:fld>
-            <a:endParaRPr>
-              <a:solidFill>
-                <a:schemeClr val="lt1"/>
-              </a:solidFill>
-            </a:endParaRPr>
-          </a:p>
-        </p:txBody>
-      </p:sp>
-    </p:spTree>
   </p:cSld>
   <p:clrMapOvr>
     <a:masterClrMapping/>
